--- a/Animacao.pptx
+++ b/Animacao.pptx
@@ -286,7 +286,7 @@
             <a:fld id="{11A6662E-FAF4-44BC-88B5-85A7CBFB6D30}" type="datetime1">
               <a:rPr lang="en-US" smtClean="0"/>
               <a:pPr/>
-              <a:t>8/24/2021</a:t>
+              <a:t>8/31/2021</a:t>
             </a:fld>
             <a:endParaRPr lang="en-US" dirty="0"/>
           </a:p>
@@ -513,7 +513,7 @@
           <a:p>
             <a:fld id="{4C559632-1575-4E14-B53B-3DC3D5ED3947}" type="datetime1">
               <a:rPr lang="en-US" smtClean="0"/>
-              <a:t>8/24/2021</a:t>
+              <a:t>8/31/2021</a:t>
             </a:fld>
             <a:endParaRPr lang="en-US"/>
           </a:p>
@@ -721,7 +721,7 @@
           <a:p>
             <a:fld id="{CC4A6868-2568-4CC9-B302-F37117B01A6E}" type="datetime1">
               <a:rPr lang="en-US" smtClean="0"/>
-              <a:t>8/24/2021</a:t>
+              <a:t>8/31/2021</a:t>
             </a:fld>
             <a:endParaRPr lang="en-US"/>
           </a:p>
@@ -926,7 +926,7 @@
           <a:p>
             <a:fld id="{0055F08A-1E71-4B2B-BB49-E743F2903911}" type="datetime1">
               <a:rPr lang="en-US" smtClean="0"/>
-              <a:t>8/24/2021</a:t>
+              <a:t>8/31/2021</a:t>
             </a:fld>
             <a:endParaRPr lang="en-US" dirty="0"/>
           </a:p>
@@ -1200,7 +1200,7 @@
           <a:p>
             <a:fld id="{15417D9E-721A-44BB-8863-9873FE64DA75}" type="datetime1">
               <a:rPr lang="en-US" smtClean="0"/>
-              <a:t>8/24/2021</a:t>
+              <a:t>8/31/2021</a:t>
             </a:fld>
             <a:endParaRPr lang="en-US"/>
           </a:p>
@@ -1473,7 +1473,7 @@
           <a:p>
             <a:fld id="{5F31DA2F-80B8-49CF-99FB-5ABCA53A607A}" type="datetime1">
               <a:rPr lang="en-US" smtClean="0"/>
-              <a:t>8/24/2021</a:t>
+              <a:t>8/31/2021</a:t>
             </a:fld>
             <a:endParaRPr lang="en-US"/>
           </a:p>
@@ -1888,7 +1888,7 @@
           <a:p>
             <a:fld id="{28852172-E6C9-4B6C-929A-A9DE3837BBF1}" type="datetime1">
               <a:rPr lang="en-US" smtClean="0"/>
-              <a:t>8/24/2021</a:t>
+              <a:t>8/31/2021</a:t>
             </a:fld>
             <a:endParaRPr lang="en-US"/>
           </a:p>
@@ -2040,7 +2040,7 @@
           <a:p>
             <a:fld id="{3AB41CFF-90C9-47B3-9DA1-F2BF8D839F7E}" type="datetime1">
               <a:rPr lang="en-US" smtClean="0"/>
-              <a:t>8/24/2021</a:t>
+              <a:t>8/31/2021</a:t>
             </a:fld>
             <a:endParaRPr lang="en-US"/>
           </a:p>
@@ -2153,7 +2153,7 @@
           <a:p>
             <a:fld id="{F06048FA-06AB-4884-A69B-986B96E68A24}" type="datetime1">
               <a:rPr lang="en-US" smtClean="0"/>
-              <a:t>8/24/2021</a:t>
+              <a:t>8/31/2021</a:t>
             </a:fld>
             <a:endParaRPr lang="en-US"/>
           </a:p>
@@ -2464,7 +2464,7 @@
           <a:p>
             <a:fld id="{50DB7ABA-0172-4F9C-889D-567164F66BCD}" type="datetime1">
               <a:rPr lang="en-US" smtClean="0"/>
-              <a:t>8/24/2021</a:t>
+              <a:t>8/31/2021</a:t>
             </a:fld>
             <a:endParaRPr lang="en-US"/>
           </a:p>
@@ -2755,7 +2755,7 @@
           <a:p>
             <a:fld id="{78AC6A5B-8AE7-4A41-B5A7-9ADC6686DC18}" type="datetime1">
               <a:rPr lang="en-US" smtClean="0"/>
-              <a:t>8/24/2021</a:t>
+              <a:t>8/31/2021</a:t>
             </a:fld>
             <a:endParaRPr lang="en-US"/>
           </a:p>
@@ -3064,7 +3064,7 @@
             <a:fld id="{57E0CF6C-748E-4B7A-BC8B-3011EF78ED13}" type="datetime1">
               <a:rPr lang="en-US" smtClean="0"/>
               <a:pPr/>
-              <a:t>8/24/2021</a:t>
+              <a:t>8/31/2021</a:t>
             </a:fld>
             <a:endParaRPr lang="en-US" dirty="0"/>
           </a:p>
@@ -4630,10 +4630,10 @@
                 </a:effectLst>
                 <a:latin typeface="Exo 2 Extra Bold" panose="00000900000000000000" pitchFamily="50" charset="0"/>
               </a:rPr>
-              <a:t>Rodada #</a:t>
-            </a:r>
-            <a:r>
-              <a:rPr lang="pt-BR" sz="4800" dirty="0">
+              <a:t>Rodada </a:t>
+            </a:r>
+            <a:r>
+              <a:rPr lang="pt-BR" sz="4800" b="0" cap="none" spc="0">
                 <a:ln w="0">
                   <a:noFill/>
                 </a:ln>
@@ -4649,7 +4649,26 @@
                 </a:effectLst>
                 <a:latin typeface="Exo 2 Extra Bold" panose="00000900000000000000" pitchFamily="50" charset="0"/>
               </a:rPr>
-              <a:t>17</a:t>
+              <a:t>#</a:t>
+            </a:r>
+            <a:r>
+              <a:rPr lang="pt-BR" sz="4800">
+                <a:ln w="0">
+                  <a:noFill/>
+                </a:ln>
+                <a:solidFill>
+                  <a:schemeClr val="bg1"/>
+                </a:solidFill>
+                <a:effectLst>
+                  <a:outerShdw blurRad="38100" dist="19050" dir="2700000" algn="tl" rotWithShape="0">
+                    <a:schemeClr val="dk1">
+                      <a:alpha val="40000"/>
+                    </a:schemeClr>
+                  </a:outerShdw>
+                </a:effectLst>
+                <a:latin typeface="Exo 2 Extra Bold" panose="00000900000000000000" pitchFamily="50" charset="0"/>
+              </a:rPr>
+              <a:t>18</a:t>
             </a:r>
             <a:endParaRPr lang="pt-BR" sz="4800" b="0" cap="none" spc="0" dirty="0">
               <a:ln w="0">

--- a/Animacao.pptx
+++ b/Animacao.pptx
@@ -286,7 +286,7 @@
             <a:fld id="{11A6662E-FAF4-44BC-88B5-85A7CBFB6D30}" type="datetime1">
               <a:rPr lang="en-US" smtClean="0"/>
               <a:pPr/>
-              <a:t>8/31/2021</a:t>
+              <a:t>9/8/2021</a:t>
             </a:fld>
             <a:endParaRPr lang="en-US" dirty="0"/>
           </a:p>
@@ -513,7 +513,7 @@
           <a:p>
             <a:fld id="{4C559632-1575-4E14-B53B-3DC3D5ED3947}" type="datetime1">
               <a:rPr lang="en-US" smtClean="0"/>
-              <a:t>8/31/2021</a:t>
+              <a:t>9/8/2021</a:t>
             </a:fld>
             <a:endParaRPr lang="en-US"/>
           </a:p>
@@ -721,7 +721,7 @@
           <a:p>
             <a:fld id="{CC4A6868-2568-4CC9-B302-F37117B01A6E}" type="datetime1">
               <a:rPr lang="en-US" smtClean="0"/>
-              <a:t>8/31/2021</a:t>
+              <a:t>9/8/2021</a:t>
             </a:fld>
             <a:endParaRPr lang="en-US"/>
           </a:p>
@@ -926,7 +926,7 @@
           <a:p>
             <a:fld id="{0055F08A-1E71-4B2B-BB49-E743F2903911}" type="datetime1">
               <a:rPr lang="en-US" smtClean="0"/>
-              <a:t>8/31/2021</a:t>
+              <a:t>9/8/2021</a:t>
             </a:fld>
             <a:endParaRPr lang="en-US" dirty="0"/>
           </a:p>
@@ -1200,7 +1200,7 @@
           <a:p>
             <a:fld id="{15417D9E-721A-44BB-8863-9873FE64DA75}" type="datetime1">
               <a:rPr lang="en-US" smtClean="0"/>
-              <a:t>8/31/2021</a:t>
+              <a:t>9/8/2021</a:t>
             </a:fld>
             <a:endParaRPr lang="en-US"/>
           </a:p>
@@ -1473,7 +1473,7 @@
           <a:p>
             <a:fld id="{5F31DA2F-80B8-49CF-99FB-5ABCA53A607A}" type="datetime1">
               <a:rPr lang="en-US" smtClean="0"/>
-              <a:t>8/31/2021</a:t>
+              <a:t>9/8/2021</a:t>
             </a:fld>
             <a:endParaRPr lang="en-US"/>
           </a:p>
@@ -1888,7 +1888,7 @@
           <a:p>
             <a:fld id="{28852172-E6C9-4B6C-929A-A9DE3837BBF1}" type="datetime1">
               <a:rPr lang="en-US" smtClean="0"/>
-              <a:t>8/31/2021</a:t>
+              <a:t>9/8/2021</a:t>
             </a:fld>
             <a:endParaRPr lang="en-US"/>
           </a:p>
@@ -2040,7 +2040,7 @@
           <a:p>
             <a:fld id="{3AB41CFF-90C9-47B3-9DA1-F2BF8D839F7E}" type="datetime1">
               <a:rPr lang="en-US" smtClean="0"/>
-              <a:t>8/31/2021</a:t>
+              <a:t>9/8/2021</a:t>
             </a:fld>
             <a:endParaRPr lang="en-US"/>
           </a:p>
@@ -2153,7 +2153,7 @@
           <a:p>
             <a:fld id="{F06048FA-06AB-4884-A69B-986B96E68A24}" type="datetime1">
               <a:rPr lang="en-US" smtClean="0"/>
-              <a:t>8/31/2021</a:t>
+              <a:t>9/8/2021</a:t>
             </a:fld>
             <a:endParaRPr lang="en-US"/>
           </a:p>
@@ -2464,7 +2464,7 @@
           <a:p>
             <a:fld id="{50DB7ABA-0172-4F9C-889D-567164F66BCD}" type="datetime1">
               <a:rPr lang="en-US" smtClean="0"/>
-              <a:t>8/31/2021</a:t>
+              <a:t>9/8/2021</a:t>
             </a:fld>
             <a:endParaRPr lang="en-US"/>
           </a:p>
@@ -2755,7 +2755,7 @@
           <a:p>
             <a:fld id="{78AC6A5B-8AE7-4A41-B5A7-9ADC6686DC18}" type="datetime1">
               <a:rPr lang="en-US" smtClean="0"/>
-              <a:t>8/31/2021</a:t>
+              <a:t>9/8/2021</a:t>
             </a:fld>
             <a:endParaRPr lang="en-US"/>
           </a:p>
@@ -3064,7 +3064,7 @@
             <a:fld id="{57E0CF6C-748E-4B7A-BC8B-3011EF78ED13}" type="datetime1">
               <a:rPr lang="en-US" smtClean="0"/>
               <a:pPr/>
-              <a:t>8/31/2021</a:t>
+              <a:t>9/8/2021</a:t>
             </a:fld>
             <a:endParaRPr lang="en-US" dirty="0"/>
           </a:p>
@@ -4668,7 +4668,7 @@
                 </a:effectLst>
                 <a:latin typeface="Exo 2 Extra Bold" panose="00000900000000000000" pitchFamily="50" charset="0"/>
               </a:rPr>
-              <a:t>18</a:t>
+              <a:t>19</a:t>
             </a:r>
             <a:endParaRPr lang="pt-BR" sz="4800" b="0" cap="none" spc="0" dirty="0">
               <a:ln w="0">

--- a/Animacao.pptx
+++ b/Animacao.pptx
@@ -286,7 +286,7 @@
             <a:fld id="{11A6662E-FAF4-44BC-88B5-85A7CBFB6D30}" type="datetime1">
               <a:rPr lang="en-US" smtClean="0"/>
               <a:pPr/>
-              <a:t>9/8/2021</a:t>
+              <a:t>9/14/2021</a:t>
             </a:fld>
             <a:endParaRPr lang="en-US" dirty="0"/>
           </a:p>
@@ -513,7 +513,7 @@
           <a:p>
             <a:fld id="{4C559632-1575-4E14-B53B-3DC3D5ED3947}" type="datetime1">
               <a:rPr lang="en-US" smtClean="0"/>
-              <a:t>9/8/2021</a:t>
+              <a:t>9/14/2021</a:t>
             </a:fld>
             <a:endParaRPr lang="en-US"/>
           </a:p>
@@ -721,7 +721,7 @@
           <a:p>
             <a:fld id="{CC4A6868-2568-4CC9-B302-F37117B01A6E}" type="datetime1">
               <a:rPr lang="en-US" smtClean="0"/>
-              <a:t>9/8/2021</a:t>
+              <a:t>9/14/2021</a:t>
             </a:fld>
             <a:endParaRPr lang="en-US"/>
           </a:p>
@@ -926,7 +926,7 @@
           <a:p>
             <a:fld id="{0055F08A-1E71-4B2B-BB49-E743F2903911}" type="datetime1">
               <a:rPr lang="en-US" smtClean="0"/>
-              <a:t>9/8/2021</a:t>
+              <a:t>9/14/2021</a:t>
             </a:fld>
             <a:endParaRPr lang="en-US" dirty="0"/>
           </a:p>
@@ -1200,7 +1200,7 @@
           <a:p>
             <a:fld id="{15417D9E-721A-44BB-8863-9873FE64DA75}" type="datetime1">
               <a:rPr lang="en-US" smtClean="0"/>
-              <a:t>9/8/2021</a:t>
+              <a:t>9/14/2021</a:t>
             </a:fld>
             <a:endParaRPr lang="en-US"/>
           </a:p>
@@ -1473,7 +1473,7 @@
           <a:p>
             <a:fld id="{5F31DA2F-80B8-49CF-99FB-5ABCA53A607A}" type="datetime1">
               <a:rPr lang="en-US" smtClean="0"/>
-              <a:t>9/8/2021</a:t>
+              <a:t>9/14/2021</a:t>
             </a:fld>
             <a:endParaRPr lang="en-US"/>
           </a:p>
@@ -1888,7 +1888,7 @@
           <a:p>
             <a:fld id="{28852172-E6C9-4B6C-929A-A9DE3837BBF1}" type="datetime1">
               <a:rPr lang="en-US" smtClean="0"/>
-              <a:t>9/8/2021</a:t>
+              <a:t>9/14/2021</a:t>
             </a:fld>
             <a:endParaRPr lang="en-US"/>
           </a:p>
@@ -2040,7 +2040,7 @@
           <a:p>
             <a:fld id="{3AB41CFF-90C9-47B3-9DA1-F2BF8D839F7E}" type="datetime1">
               <a:rPr lang="en-US" smtClean="0"/>
-              <a:t>9/8/2021</a:t>
+              <a:t>9/14/2021</a:t>
             </a:fld>
             <a:endParaRPr lang="en-US"/>
           </a:p>
@@ -2153,7 +2153,7 @@
           <a:p>
             <a:fld id="{F06048FA-06AB-4884-A69B-986B96E68A24}" type="datetime1">
               <a:rPr lang="en-US" smtClean="0"/>
-              <a:t>9/8/2021</a:t>
+              <a:t>9/14/2021</a:t>
             </a:fld>
             <a:endParaRPr lang="en-US"/>
           </a:p>
@@ -2464,7 +2464,7 @@
           <a:p>
             <a:fld id="{50DB7ABA-0172-4F9C-889D-567164F66BCD}" type="datetime1">
               <a:rPr lang="en-US" smtClean="0"/>
-              <a:t>9/8/2021</a:t>
+              <a:t>9/14/2021</a:t>
             </a:fld>
             <a:endParaRPr lang="en-US"/>
           </a:p>
@@ -2755,7 +2755,7 @@
           <a:p>
             <a:fld id="{78AC6A5B-8AE7-4A41-B5A7-9ADC6686DC18}" type="datetime1">
               <a:rPr lang="en-US" smtClean="0"/>
-              <a:t>9/8/2021</a:t>
+              <a:t>9/14/2021</a:t>
             </a:fld>
             <a:endParaRPr lang="en-US"/>
           </a:p>
@@ -3064,7 +3064,7 @@
             <a:fld id="{57E0CF6C-748E-4B7A-BC8B-3011EF78ED13}" type="datetime1">
               <a:rPr lang="en-US" smtClean="0"/>
               <a:pPr/>
-              <a:t>9/8/2021</a:t>
+              <a:t>9/14/2021</a:t>
             </a:fld>
             <a:endParaRPr lang="en-US" dirty="0"/>
           </a:p>
@@ -4614,25 +4614,6 @@
           <a:p>
             <a:pPr algn="ctr"/>
             <a:r>
-              <a:rPr lang="pt-BR" sz="4800" b="0" cap="none" spc="0" dirty="0">
-                <a:ln w="0">
-                  <a:noFill/>
-                </a:ln>
-                <a:solidFill>
-                  <a:schemeClr val="bg1"/>
-                </a:solidFill>
-                <a:effectLst>
-                  <a:outerShdw blurRad="38100" dist="19050" dir="2700000" algn="tl" rotWithShape="0">
-                    <a:schemeClr val="dk1">
-                      <a:alpha val="40000"/>
-                    </a:schemeClr>
-                  </a:outerShdw>
-                </a:effectLst>
-                <a:latin typeface="Exo 2 Extra Bold" panose="00000900000000000000" pitchFamily="50" charset="0"/>
-              </a:rPr>
-              <a:t>Rodada </a:t>
-            </a:r>
-            <a:r>
               <a:rPr lang="pt-BR" sz="4800" b="0" cap="none" spc="0">
                 <a:ln w="0">
                   <a:noFill/>
@@ -4649,7 +4630,7 @@
                 </a:effectLst>
                 <a:latin typeface="Exo 2 Extra Bold" panose="00000900000000000000" pitchFamily="50" charset="0"/>
               </a:rPr>
-              <a:t>#</a:t>
+              <a:t>Rodada #</a:t>
             </a:r>
             <a:r>
               <a:rPr lang="pt-BR" sz="4800">
@@ -4668,7 +4649,7 @@
                 </a:effectLst>
                 <a:latin typeface="Exo 2 Extra Bold" panose="00000900000000000000" pitchFamily="50" charset="0"/>
               </a:rPr>
-              <a:t>19</a:t>
+              <a:t>20</a:t>
             </a:r>
             <a:endParaRPr lang="pt-BR" sz="4800" b="0" cap="none" spc="0" dirty="0">
               <a:ln w="0">

--- a/Animacao.pptx
+++ b/Animacao.pptx
@@ -286,7 +286,7 @@
             <a:fld id="{11A6662E-FAF4-44BC-88B5-85A7CBFB6D30}" type="datetime1">
               <a:rPr lang="en-US" smtClean="0"/>
               <a:pPr/>
-              <a:t>9/14/2021</a:t>
+              <a:t>9/21/2021</a:t>
             </a:fld>
             <a:endParaRPr lang="en-US" dirty="0"/>
           </a:p>
@@ -513,7 +513,7 @@
           <a:p>
             <a:fld id="{4C559632-1575-4E14-B53B-3DC3D5ED3947}" type="datetime1">
               <a:rPr lang="en-US" smtClean="0"/>
-              <a:t>9/14/2021</a:t>
+              <a:t>9/21/2021</a:t>
             </a:fld>
             <a:endParaRPr lang="en-US"/>
           </a:p>
@@ -721,7 +721,7 @@
           <a:p>
             <a:fld id="{CC4A6868-2568-4CC9-B302-F37117B01A6E}" type="datetime1">
               <a:rPr lang="en-US" smtClean="0"/>
-              <a:t>9/14/2021</a:t>
+              <a:t>9/21/2021</a:t>
             </a:fld>
             <a:endParaRPr lang="en-US"/>
           </a:p>
@@ -926,7 +926,7 @@
           <a:p>
             <a:fld id="{0055F08A-1E71-4B2B-BB49-E743F2903911}" type="datetime1">
               <a:rPr lang="en-US" smtClean="0"/>
-              <a:t>9/14/2021</a:t>
+              <a:t>9/21/2021</a:t>
             </a:fld>
             <a:endParaRPr lang="en-US" dirty="0"/>
           </a:p>
@@ -1200,7 +1200,7 @@
           <a:p>
             <a:fld id="{15417D9E-721A-44BB-8863-9873FE64DA75}" type="datetime1">
               <a:rPr lang="en-US" smtClean="0"/>
-              <a:t>9/14/2021</a:t>
+              <a:t>9/21/2021</a:t>
             </a:fld>
             <a:endParaRPr lang="en-US"/>
           </a:p>
@@ -1473,7 +1473,7 @@
           <a:p>
             <a:fld id="{5F31DA2F-80B8-49CF-99FB-5ABCA53A607A}" type="datetime1">
               <a:rPr lang="en-US" smtClean="0"/>
-              <a:t>9/14/2021</a:t>
+              <a:t>9/21/2021</a:t>
             </a:fld>
             <a:endParaRPr lang="en-US"/>
           </a:p>
@@ -1888,7 +1888,7 @@
           <a:p>
             <a:fld id="{28852172-E6C9-4B6C-929A-A9DE3837BBF1}" type="datetime1">
               <a:rPr lang="en-US" smtClean="0"/>
-              <a:t>9/14/2021</a:t>
+              <a:t>9/21/2021</a:t>
             </a:fld>
             <a:endParaRPr lang="en-US"/>
           </a:p>
@@ -2040,7 +2040,7 @@
           <a:p>
             <a:fld id="{3AB41CFF-90C9-47B3-9DA1-F2BF8D839F7E}" type="datetime1">
               <a:rPr lang="en-US" smtClean="0"/>
-              <a:t>9/14/2021</a:t>
+              <a:t>9/21/2021</a:t>
             </a:fld>
             <a:endParaRPr lang="en-US"/>
           </a:p>
@@ -2153,7 +2153,7 @@
           <a:p>
             <a:fld id="{F06048FA-06AB-4884-A69B-986B96E68A24}" type="datetime1">
               <a:rPr lang="en-US" smtClean="0"/>
-              <a:t>9/14/2021</a:t>
+              <a:t>9/21/2021</a:t>
             </a:fld>
             <a:endParaRPr lang="en-US"/>
           </a:p>
@@ -2464,7 +2464,7 @@
           <a:p>
             <a:fld id="{50DB7ABA-0172-4F9C-889D-567164F66BCD}" type="datetime1">
               <a:rPr lang="en-US" smtClean="0"/>
-              <a:t>9/14/2021</a:t>
+              <a:t>9/21/2021</a:t>
             </a:fld>
             <a:endParaRPr lang="en-US"/>
           </a:p>
@@ -2755,7 +2755,7 @@
           <a:p>
             <a:fld id="{78AC6A5B-8AE7-4A41-B5A7-9ADC6686DC18}" type="datetime1">
               <a:rPr lang="en-US" smtClean="0"/>
-              <a:t>9/14/2021</a:t>
+              <a:t>9/21/2021</a:t>
             </a:fld>
             <a:endParaRPr lang="en-US"/>
           </a:p>
@@ -3064,7 +3064,7 @@
             <a:fld id="{57E0CF6C-748E-4B7A-BC8B-3011EF78ED13}" type="datetime1">
               <a:rPr lang="en-US" smtClean="0"/>
               <a:pPr/>
-              <a:t>9/14/2021</a:t>
+              <a:t>9/21/2021</a:t>
             </a:fld>
             <a:endParaRPr lang="en-US" dirty="0"/>
           </a:p>
@@ -4649,7 +4649,7 @@
                 </a:effectLst>
                 <a:latin typeface="Exo 2 Extra Bold" panose="00000900000000000000" pitchFamily="50" charset="0"/>
               </a:rPr>
-              <a:t>20</a:t>
+              <a:t>21</a:t>
             </a:r>
             <a:endParaRPr lang="pt-BR" sz="4800" b="0" cap="none" spc="0" dirty="0">
               <a:ln w="0">

--- a/Animacao.pptx
+++ b/Animacao.pptx
@@ -286,7 +286,7 @@
             <a:fld id="{11A6662E-FAF4-44BC-88B5-85A7CBFB6D30}" type="datetime1">
               <a:rPr lang="en-US" smtClean="0"/>
               <a:pPr/>
-              <a:t>9/21/2021</a:t>
+              <a:t>9/28/2021</a:t>
             </a:fld>
             <a:endParaRPr lang="en-US" dirty="0"/>
           </a:p>
@@ -513,7 +513,7 @@
           <a:p>
             <a:fld id="{4C559632-1575-4E14-B53B-3DC3D5ED3947}" type="datetime1">
               <a:rPr lang="en-US" smtClean="0"/>
-              <a:t>9/21/2021</a:t>
+              <a:t>9/28/2021</a:t>
             </a:fld>
             <a:endParaRPr lang="en-US"/>
           </a:p>
@@ -721,7 +721,7 @@
           <a:p>
             <a:fld id="{CC4A6868-2568-4CC9-B302-F37117B01A6E}" type="datetime1">
               <a:rPr lang="en-US" smtClean="0"/>
-              <a:t>9/21/2021</a:t>
+              <a:t>9/28/2021</a:t>
             </a:fld>
             <a:endParaRPr lang="en-US"/>
           </a:p>
@@ -926,7 +926,7 @@
           <a:p>
             <a:fld id="{0055F08A-1E71-4B2B-BB49-E743F2903911}" type="datetime1">
               <a:rPr lang="en-US" smtClean="0"/>
-              <a:t>9/21/2021</a:t>
+              <a:t>9/28/2021</a:t>
             </a:fld>
             <a:endParaRPr lang="en-US" dirty="0"/>
           </a:p>
@@ -1200,7 +1200,7 @@
           <a:p>
             <a:fld id="{15417D9E-721A-44BB-8863-9873FE64DA75}" type="datetime1">
               <a:rPr lang="en-US" smtClean="0"/>
-              <a:t>9/21/2021</a:t>
+              <a:t>9/28/2021</a:t>
             </a:fld>
             <a:endParaRPr lang="en-US"/>
           </a:p>
@@ -1473,7 +1473,7 @@
           <a:p>
             <a:fld id="{5F31DA2F-80B8-49CF-99FB-5ABCA53A607A}" type="datetime1">
               <a:rPr lang="en-US" smtClean="0"/>
-              <a:t>9/21/2021</a:t>
+              <a:t>9/28/2021</a:t>
             </a:fld>
             <a:endParaRPr lang="en-US"/>
           </a:p>
@@ -1888,7 +1888,7 @@
           <a:p>
             <a:fld id="{28852172-E6C9-4B6C-929A-A9DE3837BBF1}" type="datetime1">
               <a:rPr lang="en-US" smtClean="0"/>
-              <a:t>9/21/2021</a:t>
+              <a:t>9/28/2021</a:t>
             </a:fld>
             <a:endParaRPr lang="en-US"/>
           </a:p>
@@ -2040,7 +2040,7 @@
           <a:p>
             <a:fld id="{3AB41CFF-90C9-47B3-9DA1-F2BF8D839F7E}" type="datetime1">
               <a:rPr lang="en-US" smtClean="0"/>
-              <a:t>9/21/2021</a:t>
+              <a:t>9/28/2021</a:t>
             </a:fld>
             <a:endParaRPr lang="en-US"/>
           </a:p>
@@ -2153,7 +2153,7 @@
           <a:p>
             <a:fld id="{F06048FA-06AB-4884-A69B-986B96E68A24}" type="datetime1">
               <a:rPr lang="en-US" smtClean="0"/>
-              <a:t>9/21/2021</a:t>
+              <a:t>9/28/2021</a:t>
             </a:fld>
             <a:endParaRPr lang="en-US"/>
           </a:p>
@@ -2464,7 +2464,7 @@
           <a:p>
             <a:fld id="{50DB7ABA-0172-4F9C-889D-567164F66BCD}" type="datetime1">
               <a:rPr lang="en-US" smtClean="0"/>
-              <a:t>9/21/2021</a:t>
+              <a:t>9/28/2021</a:t>
             </a:fld>
             <a:endParaRPr lang="en-US"/>
           </a:p>
@@ -2755,7 +2755,7 @@
           <a:p>
             <a:fld id="{78AC6A5B-8AE7-4A41-B5A7-9ADC6686DC18}" type="datetime1">
               <a:rPr lang="en-US" smtClean="0"/>
-              <a:t>9/21/2021</a:t>
+              <a:t>9/28/2021</a:t>
             </a:fld>
             <a:endParaRPr lang="en-US"/>
           </a:p>
@@ -3064,7 +3064,7 @@
             <a:fld id="{57E0CF6C-748E-4B7A-BC8B-3011EF78ED13}" type="datetime1">
               <a:rPr lang="en-US" smtClean="0"/>
               <a:pPr/>
-              <a:t>9/21/2021</a:t>
+              <a:t>9/28/2021</a:t>
             </a:fld>
             <a:endParaRPr lang="en-US" dirty="0"/>
           </a:p>
@@ -4614,7 +4614,7 @@
           <a:p>
             <a:pPr algn="ctr"/>
             <a:r>
-              <a:rPr lang="pt-BR" sz="4800" b="0" cap="none" spc="0">
+              <a:rPr lang="pt-BR" sz="4800" b="0" cap="none" spc="0" dirty="0">
                 <a:ln w="0">
                   <a:noFill/>
                 </a:ln>
@@ -4633,7 +4633,7 @@
               <a:t>Rodada #</a:t>
             </a:r>
             <a:r>
-              <a:rPr lang="pt-BR" sz="4800">
+              <a:rPr lang="pt-BR" sz="4800" dirty="0">
                 <a:ln w="0">
                   <a:noFill/>
                 </a:ln>
@@ -4649,7 +4649,7 @@
                 </a:effectLst>
                 <a:latin typeface="Exo 2 Extra Bold" panose="00000900000000000000" pitchFamily="50" charset="0"/>
               </a:rPr>
-              <a:t>21</a:t>
+              <a:t>22</a:t>
             </a:r>
             <a:endParaRPr lang="pt-BR" sz="4800" b="0" cap="none" spc="0" dirty="0">
               <a:ln w="0">

--- a/Animacao.pptx
+++ b/Animacao.pptx
@@ -286,7 +286,7 @@
             <a:fld id="{11A6662E-FAF4-44BC-88B5-85A7CBFB6D30}" type="datetime1">
               <a:rPr lang="en-US" smtClean="0"/>
               <a:pPr/>
-              <a:t>9/28/2021</a:t>
+              <a:t>10/5/2021</a:t>
             </a:fld>
             <a:endParaRPr lang="en-US" dirty="0"/>
           </a:p>
@@ -513,7 +513,7 @@
           <a:p>
             <a:fld id="{4C559632-1575-4E14-B53B-3DC3D5ED3947}" type="datetime1">
               <a:rPr lang="en-US" smtClean="0"/>
-              <a:t>9/28/2021</a:t>
+              <a:t>10/5/2021</a:t>
             </a:fld>
             <a:endParaRPr lang="en-US"/>
           </a:p>
@@ -721,7 +721,7 @@
           <a:p>
             <a:fld id="{CC4A6868-2568-4CC9-B302-F37117B01A6E}" type="datetime1">
               <a:rPr lang="en-US" smtClean="0"/>
-              <a:t>9/28/2021</a:t>
+              <a:t>10/5/2021</a:t>
             </a:fld>
             <a:endParaRPr lang="en-US"/>
           </a:p>
@@ -926,7 +926,7 @@
           <a:p>
             <a:fld id="{0055F08A-1E71-4B2B-BB49-E743F2903911}" type="datetime1">
               <a:rPr lang="en-US" smtClean="0"/>
-              <a:t>9/28/2021</a:t>
+              <a:t>10/5/2021</a:t>
             </a:fld>
             <a:endParaRPr lang="en-US" dirty="0"/>
           </a:p>
@@ -1200,7 +1200,7 @@
           <a:p>
             <a:fld id="{15417D9E-721A-44BB-8863-9873FE64DA75}" type="datetime1">
               <a:rPr lang="en-US" smtClean="0"/>
-              <a:t>9/28/2021</a:t>
+              <a:t>10/5/2021</a:t>
             </a:fld>
             <a:endParaRPr lang="en-US"/>
           </a:p>
@@ -1473,7 +1473,7 @@
           <a:p>
             <a:fld id="{5F31DA2F-80B8-49CF-99FB-5ABCA53A607A}" type="datetime1">
               <a:rPr lang="en-US" smtClean="0"/>
-              <a:t>9/28/2021</a:t>
+              <a:t>10/5/2021</a:t>
             </a:fld>
             <a:endParaRPr lang="en-US"/>
           </a:p>
@@ -1888,7 +1888,7 @@
           <a:p>
             <a:fld id="{28852172-E6C9-4B6C-929A-A9DE3837BBF1}" type="datetime1">
               <a:rPr lang="en-US" smtClean="0"/>
-              <a:t>9/28/2021</a:t>
+              <a:t>10/5/2021</a:t>
             </a:fld>
             <a:endParaRPr lang="en-US"/>
           </a:p>
@@ -2040,7 +2040,7 @@
           <a:p>
             <a:fld id="{3AB41CFF-90C9-47B3-9DA1-F2BF8D839F7E}" type="datetime1">
               <a:rPr lang="en-US" smtClean="0"/>
-              <a:t>9/28/2021</a:t>
+              <a:t>10/5/2021</a:t>
             </a:fld>
             <a:endParaRPr lang="en-US"/>
           </a:p>
@@ -2153,7 +2153,7 @@
           <a:p>
             <a:fld id="{F06048FA-06AB-4884-A69B-986B96E68A24}" type="datetime1">
               <a:rPr lang="en-US" smtClean="0"/>
-              <a:t>9/28/2021</a:t>
+              <a:t>10/5/2021</a:t>
             </a:fld>
             <a:endParaRPr lang="en-US"/>
           </a:p>
@@ -2464,7 +2464,7 @@
           <a:p>
             <a:fld id="{50DB7ABA-0172-4F9C-889D-567164F66BCD}" type="datetime1">
               <a:rPr lang="en-US" smtClean="0"/>
-              <a:t>9/28/2021</a:t>
+              <a:t>10/5/2021</a:t>
             </a:fld>
             <a:endParaRPr lang="en-US"/>
           </a:p>
@@ -2755,7 +2755,7 @@
           <a:p>
             <a:fld id="{78AC6A5B-8AE7-4A41-B5A7-9ADC6686DC18}" type="datetime1">
               <a:rPr lang="en-US" smtClean="0"/>
-              <a:t>9/28/2021</a:t>
+              <a:t>10/5/2021</a:t>
             </a:fld>
             <a:endParaRPr lang="en-US"/>
           </a:p>
@@ -3064,7 +3064,7 @@
             <a:fld id="{57E0CF6C-748E-4B7A-BC8B-3011EF78ED13}" type="datetime1">
               <a:rPr lang="en-US" smtClean="0"/>
               <a:pPr/>
-              <a:t>9/28/2021</a:t>
+              <a:t>10/5/2021</a:t>
             </a:fld>
             <a:endParaRPr lang="en-US" dirty="0"/>
           </a:p>
@@ -4630,10 +4630,10 @@
                 </a:effectLst>
                 <a:latin typeface="Exo 2 Extra Bold" panose="00000900000000000000" pitchFamily="50" charset="0"/>
               </a:rPr>
-              <a:t>Rodada #</a:t>
-            </a:r>
-            <a:r>
-              <a:rPr lang="pt-BR" sz="4800" dirty="0">
+              <a:t>Rodada </a:t>
+            </a:r>
+            <a:r>
+              <a:rPr lang="pt-BR" sz="4800" b="0" cap="none" spc="0">
                 <a:ln w="0">
                   <a:noFill/>
                 </a:ln>
@@ -4649,7 +4649,26 @@
                 </a:effectLst>
                 <a:latin typeface="Exo 2 Extra Bold" panose="00000900000000000000" pitchFamily="50" charset="0"/>
               </a:rPr>
-              <a:t>22</a:t>
+              <a:t>#</a:t>
+            </a:r>
+            <a:r>
+              <a:rPr lang="pt-BR" sz="4800">
+                <a:ln w="0">
+                  <a:noFill/>
+                </a:ln>
+                <a:solidFill>
+                  <a:schemeClr val="bg1"/>
+                </a:solidFill>
+                <a:effectLst>
+                  <a:outerShdw blurRad="38100" dist="19050" dir="2700000" algn="tl" rotWithShape="0">
+                    <a:schemeClr val="dk1">
+                      <a:alpha val="40000"/>
+                    </a:schemeClr>
+                  </a:outerShdw>
+                </a:effectLst>
+                <a:latin typeface="Exo 2 Extra Bold" panose="00000900000000000000" pitchFamily="50" charset="0"/>
+              </a:rPr>
+              <a:t>23</a:t>
             </a:r>
             <a:endParaRPr lang="pt-BR" sz="4800" b="0" cap="none" spc="0" dirty="0">
               <a:ln w="0">

--- a/Animacao.pptx
+++ b/Animacao.pptx
@@ -286,7 +286,7 @@
             <a:fld id="{11A6662E-FAF4-44BC-88B5-85A7CBFB6D30}" type="datetime1">
               <a:rPr lang="en-US" smtClean="0"/>
               <a:pPr/>
-              <a:t>10/5/2021</a:t>
+              <a:t>10/11/2021</a:t>
             </a:fld>
             <a:endParaRPr lang="en-US" dirty="0"/>
           </a:p>
@@ -513,7 +513,7 @@
           <a:p>
             <a:fld id="{4C559632-1575-4E14-B53B-3DC3D5ED3947}" type="datetime1">
               <a:rPr lang="en-US" smtClean="0"/>
-              <a:t>10/5/2021</a:t>
+              <a:t>10/11/2021</a:t>
             </a:fld>
             <a:endParaRPr lang="en-US"/>
           </a:p>
@@ -721,7 +721,7 @@
           <a:p>
             <a:fld id="{CC4A6868-2568-4CC9-B302-F37117B01A6E}" type="datetime1">
               <a:rPr lang="en-US" smtClean="0"/>
-              <a:t>10/5/2021</a:t>
+              <a:t>10/11/2021</a:t>
             </a:fld>
             <a:endParaRPr lang="en-US"/>
           </a:p>
@@ -926,7 +926,7 @@
           <a:p>
             <a:fld id="{0055F08A-1E71-4B2B-BB49-E743F2903911}" type="datetime1">
               <a:rPr lang="en-US" smtClean="0"/>
-              <a:t>10/5/2021</a:t>
+              <a:t>10/11/2021</a:t>
             </a:fld>
             <a:endParaRPr lang="en-US" dirty="0"/>
           </a:p>
@@ -1200,7 +1200,7 @@
           <a:p>
             <a:fld id="{15417D9E-721A-44BB-8863-9873FE64DA75}" type="datetime1">
               <a:rPr lang="en-US" smtClean="0"/>
-              <a:t>10/5/2021</a:t>
+              <a:t>10/11/2021</a:t>
             </a:fld>
             <a:endParaRPr lang="en-US"/>
           </a:p>
@@ -1473,7 +1473,7 @@
           <a:p>
             <a:fld id="{5F31DA2F-80B8-49CF-99FB-5ABCA53A607A}" type="datetime1">
               <a:rPr lang="en-US" smtClean="0"/>
-              <a:t>10/5/2021</a:t>
+              <a:t>10/11/2021</a:t>
             </a:fld>
             <a:endParaRPr lang="en-US"/>
           </a:p>
@@ -1888,7 +1888,7 @@
           <a:p>
             <a:fld id="{28852172-E6C9-4B6C-929A-A9DE3837BBF1}" type="datetime1">
               <a:rPr lang="en-US" smtClean="0"/>
-              <a:t>10/5/2021</a:t>
+              <a:t>10/11/2021</a:t>
             </a:fld>
             <a:endParaRPr lang="en-US"/>
           </a:p>
@@ -2040,7 +2040,7 @@
           <a:p>
             <a:fld id="{3AB41CFF-90C9-47B3-9DA1-F2BF8D839F7E}" type="datetime1">
               <a:rPr lang="en-US" smtClean="0"/>
-              <a:t>10/5/2021</a:t>
+              <a:t>10/11/2021</a:t>
             </a:fld>
             <a:endParaRPr lang="en-US"/>
           </a:p>
@@ -2153,7 +2153,7 @@
           <a:p>
             <a:fld id="{F06048FA-06AB-4884-A69B-986B96E68A24}" type="datetime1">
               <a:rPr lang="en-US" smtClean="0"/>
-              <a:t>10/5/2021</a:t>
+              <a:t>10/11/2021</a:t>
             </a:fld>
             <a:endParaRPr lang="en-US"/>
           </a:p>
@@ -2464,7 +2464,7 @@
           <a:p>
             <a:fld id="{50DB7ABA-0172-4F9C-889D-567164F66BCD}" type="datetime1">
               <a:rPr lang="en-US" smtClean="0"/>
-              <a:t>10/5/2021</a:t>
+              <a:t>10/11/2021</a:t>
             </a:fld>
             <a:endParaRPr lang="en-US"/>
           </a:p>
@@ -2755,7 +2755,7 @@
           <a:p>
             <a:fld id="{78AC6A5B-8AE7-4A41-B5A7-9ADC6686DC18}" type="datetime1">
               <a:rPr lang="en-US" smtClean="0"/>
-              <a:t>10/5/2021</a:t>
+              <a:t>10/11/2021</a:t>
             </a:fld>
             <a:endParaRPr lang="en-US"/>
           </a:p>
@@ -3064,7 +3064,7 @@
             <a:fld id="{57E0CF6C-748E-4B7A-BC8B-3011EF78ED13}" type="datetime1">
               <a:rPr lang="en-US" smtClean="0"/>
               <a:pPr/>
-              <a:t>10/5/2021</a:t>
+              <a:t>10/11/2021</a:t>
             </a:fld>
             <a:endParaRPr lang="en-US" dirty="0"/>
           </a:p>
@@ -4668,7 +4668,7 @@
                 </a:effectLst>
                 <a:latin typeface="Exo 2 Extra Bold" panose="00000900000000000000" pitchFamily="50" charset="0"/>
               </a:rPr>
-              <a:t>23</a:t>
+              <a:t>25</a:t>
             </a:r>
             <a:endParaRPr lang="pt-BR" sz="4800" b="0" cap="none" spc="0" dirty="0">
               <a:ln w="0">

--- a/Animacao.pptx
+++ b/Animacao.pptx
@@ -286,7 +286,7 @@
             <a:fld id="{11A6662E-FAF4-44BC-88B5-85A7CBFB6D30}" type="datetime1">
               <a:rPr lang="en-US" smtClean="0"/>
               <a:pPr/>
-              <a:t>10/11/2021</a:t>
+              <a:t>10/15/2021</a:t>
             </a:fld>
             <a:endParaRPr lang="en-US" dirty="0"/>
           </a:p>
@@ -513,7 +513,7 @@
           <a:p>
             <a:fld id="{4C559632-1575-4E14-B53B-3DC3D5ED3947}" type="datetime1">
               <a:rPr lang="en-US" smtClean="0"/>
-              <a:t>10/11/2021</a:t>
+              <a:t>10/15/2021</a:t>
             </a:fld>
             <a:endParaRPr lang="en-US"/>
           </a:p>
@@ -721,7 +721,7 @@
           <a:p>
             <a:fld id="{CC4A6868-2568-4CC9-B302-F37117B01A6E}" type="datetime1">
               <a:rPr lang="en-US" smtClean="0"/>
-              <a:t>10/11/2021</a:t>
+              <a:t>10/15/2021</a:t>
             </a:fld>
             <a:endParaRPr lang="en-US"/>
           </a:p>
@@ -926,7 +926,7 @@
           <a:p>
             <a:fld id="{0055F08A-1E71-4B2B-BB49-E743F2903911}" type="datetime1">
               <a:rPr lang="en-US" smtClean="0"/>
-              <a:t>10/11/2021</a:t>
+              <a:t>10/15/2021</a:t>
             </a:fld>
             <a:endParaRPr lang="en-US" dirty="0"/>
           </a:p>
@@ -1200,7 +1200,7 @@
           <a:p>
             <a:fld id="{15417D9E-721A-44BB-8863-9873FE64DA75}" type="datetime1">
               <a:rPr lang="en-US" smtClean="0"/>
-              <a:t>10/11/2021</a:t>
+              <a:t>10/15/2021</a:t>
             </a:fld>
             <a:endParaRPr lang="en-US"/>
           </a:p>
@@ -1473,7 +1473,7 @@
           <a:p>
             <a:fld id="{5F31DA2F-80B8-49CF-99FB-5ABCA53A607A}" type="datetime1">
               <a:rPr lang="en-US" smtClean="0"/>
-              <a:t>10/11/2021</a:t>
+              <a:t>10/15/2021</a:t>
             </a:fld>
             <a:endParaRPr lang="en-US"/>
           </a:p>
@@ -1888,7 +1888,7 @@
           <a:p>
             <a:fld id="{28852172-E6C9-4B6C-929A-A9DE3837BBF1}" type="datetime1">
               <a:rPr lang="en-US" smtClean="0"/>
-              <a:t>10/11/2021</a:t>
+              <a:t>10/15/2021</a:t>
             </a:fld>
             <a:endParaRPr lang="en-US"/>
           </a:p>
@@ -2040,7 +2040,7 @@
           <a:p>
             <a:fld id="{3AB41CFF-90C9-47B3-9DA1-F2BF8D839F7E}" type="datetime1">
               <a:rPr lang="en-US" smtClean="0"/>
-              <a:t>10/11/2021</a:t>
+              <a:t>10/15/2021</a:t>
             </a:fld>
             <a:endParaRPr lang="en-US"/>
           </a:p>
@@ -2153,7 +2153,7 @@
           <a:p>
             <a:fld id="{F06048FA-06AB-4884-A69B-986B96E68A24}" type="datetime1">
               <a:rPr lang="en-US" smtClean="0"/>
-              <a:t>10/11/2021</a:t>
+              <a:t>10/15/2021</a:t>
             </a:fld>
             <a:endParaRPr lang="en-US"/>
           </a:p>
@@ -2464,7 +2464,7 @@
           <a:p>
             <a:fld id="{50DB7ABA-0172-4F9C-889D-567164F66BCD}" type="datetime1">
               <a:rPr lang="en-US" smtClean="0"/>
-              <a:t>10/11/2021</a:t>
+              <a:t>10/15/2021</a:t>
             </a:fld>
             <a:endParaRPr lang="en-US"/>
           </a:p>
@@ -2755,7 +2755,7 @@
           <a:p>
             <a:fld id="{78AC6A5B-8AE7-4A41-B5A7-9ADC6686DC18}" type="datetime1">
               <a:rPr lang="en-US" smtClean="0"/>
-              <a:t>10/11/2021</a:t>
+              <a:t>10/15/2021</a:t>
             </a:fld>
             <a:endParaRPr lang="en-US"/>
           </a:p>
@@ -3064,7 +3064,7 @@
             <a:fld id="{57E0CF6C-748E-4B7A-BC8B-3011EF78ED13}" type="datetime1">
               <a:rPr lang="en-US" smtClean="0"/>
               <a:pPr/>
-              <a:t>10/11/2021</a:t>
+              <a:t>10/15/2021</a:t>
             </a:fld>
             <a:endParaRPr lang="en-US" dirty="0"/>
           </a:p>
@@ -4668,7 +4668,7 @@
                 </a:effectLst>
                 <a:latin typeface="Exo 2 Extra Bold" panose="00000900000000000000" pitchFamily="50" charset="0"/>
               </a:rPr>
-              <a:t>25</a:t>
+              <a:t>26</a:t>
             </a:r>
             <a:endParaRPr lang="pt-BR" sz="4800" b="0" cap="none" spc="0" dirty="0">
               <a:ln w="0">

--- a/Animacao.pptx
+++ b/Animacao.pptx
@@ -286,7 +286,7 @@
             <a:fld id="{11A6662E-FAF4-44BC-88B5-85A7CBFB6D30}" type="datetime1">
               <a:rPr lang="en-US" smtClean="0"/>
               <a:pPr/>
-              <a:t>10/15/2021</a:t>
+              <a:t>10/19/2021</a:t>
             </a:fld>
             <a:endParaRPr lang="en-US" dirty="0"/>
           </a:p>
@@ -513,7 +513,7 @@
           <a:p>
             <a:fld id="{4C559632-1575-4E14-B53B-3DC3D5ED3947}" type="datetime1">
               <a:rPr lang="en-US" smtClean="0"/>
-              <a:t>10/15/2021</a:t>
+              <a:t>10/19/2021</a:t>
             </a:fld>
             <a:endParaRPr lang="en-US"/>
           </a:p>
@@ -721,7 +721,7 @@
           <a:p>
             <a:fld id="{CC4A6868-2568-4CC9-B302-F37117B01A6E}" type="datetime1">
               <a:rPr lang="en-US" smtClean="0"/>
-              <a:t>10/15/2021</a:t>
+              <a:t>10/19/2021</a:t>
             </a:fld>
             <a:endParaRPr lang="en-US"/>
           </a:p>
@@ -926,7 +926,7 @@
           <a:p>
             <a:fld id="{0055F08A-1E71-4B2B-BB49-E743F2903911}" type="datetime1">
               <a:rPr lang="en-US" smtClean="0"/>
-              <a:t>10/15/2021</a:t>
+              <a:t>10/19/2021</a:t>
             </a:fld>
             <a:endParaRPr lang="en-US" dirty="0"/>
           </a:p>
@@ -1200,7 +1200,7 @@
           <a:p>
             <a:fld id="{15417D9E-721A-44BB-8863-9873FE64DA75}" type="datetime1">
               <a:rPr lang="en-US" smtClean="0"/>
-              <a:t>10/15/2021</a:t>
+              <a:t>10/19/2021</a:t>
             </a:fld>
             <a:endParaRPr lang="en-US"/>
           </a:p>
@@ -1473,7 +1473,7 @@
           <a:p>
             <a:fld id="{5F31DA2F-80B8-49CF-99FB-5ABCA53A607A}" type="datetime1">
               <a:rPr lang="en-US" smtClean="0"/>
-              <a:t>10/15/2021</a:t>
+              <a:t>10/19/2021</a:t>
             </a:fld>
             <a:endParaRPr lang="en-US"/>
           </a:p>
@@ -1888,7 +1888,7 @@
           <a:p>
             <a:fld id="{28852172-E6C9-4B6C-929A-A9DE3837BBF1}" type="datetime1">
               <a:rPr lang="en-US" smtClean="0"/>
-              <a:t>10/15/2021</a:t>
+              <a:t>10/19/2021</a:t>
             </a:fld>
             <a:endParaRPr lang="en-US"/>
           </a:p>
@@ -2040,7 +2040,7 @@
           <a:p>
             <a:fld id="{3AB41CFF-90C9-47B3-9DA1-F2BF8D839F7E}" type="datetime1">
               <a:rPr lang="en-US" smtClean="0"/>
-              <a:t>10/15/2021</a:t>
+              <a:t>10/19/2021</a:t>
             </a:fld>
             <a:endParaRPr lang="en-US"/>
           </a:p>
@@ -2153,7 +2153,7 @@
           <a:p>
             <a:fld id="{F06048FA-06AB-4884-A69B-986B96E68A24}" type="datetime1">
               <a:rPr lang="en-US" smtClean="0"/>
-              <a:t>10/15/2021</a:t>
+              <a:t>10/19/2021</a:t>
             </a:fld>
             <a:endParaRPr lang="en-US"/>
           </a:p>
@@ -2464,7 +2464,7 @@
           <a:p>
             <a:fld id="{50DB7ABA-0172-4F9C-889D-567164F66BCD}" type="datetime1">
               <a:rPr lang="en-US" smtClean="0"/>
-              <a:t>10/15/2021</a:t>
+              <a:t>10/19/2021</a:t>
             </a:fld>
             <a:endParaRPr lang="en-US"/>
           </a:p>
@@ -2755,7 +2755,7 @@
           <a:p>
             <a:fld id="{78AC6A5B-8AE7-4A41-B5A7-9ADC6686DC18}" type="datetime1">
               <a:rPr lang="en-US" smtClean="0"/>
-              <a:t>10/15/2021</a:t>
+              <a:t>10/19/2021</a:t>
             </a:fld>
             <a:endParaRPr lang="en-US"/>
           </a:p>
@@ -3064,7 +3064,7 @@
             <a:fld id="{57E0CF6C-748E-4B7A-BC8B-3011EF78ED13}" type="datetime1">
               <a:rPr lang="en-US" smtClean="0"/>
               <a:pPr/>
-              <a:t>10/15/2021</a:t>
+              <a:t>10/19/2021</a:t>
             </a:fld>
             <a:endParaRPr lang="en-US" dirty="0"/>
           </a:p>
@@ -4630,10 +4630,10 @@
                 </a:effectLst>
                 <a:latin typeface="Exo 2 Extra Bold" panose="00000900000000000000" pitchFamily="50" charset="0"/>
               </a:rPr>
-              <a:t>Rodada </a:t>
-            </a:r>
-            <a:r>
-              <a:rPr lang="pt-BR" sz="4800" b="0" cap="none" spc="0">
+              <a:t>Rodada #</a:t>
+            </a:r>
+            <a:r>
+              <a:rPr lang="pt-BR" sz="4800" dirty="0">
                 <a:ln w="0">
                   <a:noFill/>
                 </a:ln>
@@ -4649,26 +4649,7 @@
                 </a:effectLst>
                 <a:latin typeface="Exo 2 Extra Bold" panose="00000900000000000000" pitchFamily="50" charset="0"/>
               </a:rPr>
-              <a:t>#</a:t>
-            </a:r>
-            <a:r>
-              <a:rPr lang="pt-BR" sz="4800">
-                <a:ln w="0">
-                  <a:noFill/>
-                </a:ln>
-                <a:solidFill>
-                  <a:schemeClr val="bg1"/>
-                </a:solidFill>
-                <a:effectLst>
-                  <a:outerShdw blurRad="38100" dist="19050" dir="2700000" algn="tl" rotWithShape="0">
-                    <a:schemeClr val="dk1">
-                      <a:alpha val="40000"/>
-                    </a:schemeClr>
-                  </a:outerShdw>
-                </a:effectLst>
-                <a:latin typeface="Exo 2 Extra Bold" panose="00000900000000000000" pitchFamily="50" charset="0"/>
-              </a:rPr>
-              <a:t>26</a:t>
+              <a:t>27</a:t>
             </a:r>
             <a:endParaRPr lang="pt-BR" sz="4800" b="0" cap="none" spc="0" dirty="0">
               <a:ln w="0">

--- a/Animacao.pptx
+++ b/Animacao.pptx
@@ -286,7 +286,7 @@
             <a:fld id="{11A6662E-FAF4-44BC-88B5-85A7CBFB6D30}" type="datetime1">
               <a:rPr lang="en-US" smtClean="0"/>
               <a:pPr/>
-              <a:t>10/19/2021</a:t>
+              <a:t>11/3/2021</a:t>
             </a:fld>
             <a:endParaRPr lang="en-US" dirty="0"/>
           </a:p>
@@ -513,7 +513,7 @@
           <a:p>
             <a:fld id="{4C559632-1575-4E14-B53B-3DC3D5ED3947}" type="datetime1">
               <a:rPr lang="en-US" smtClean="0"/>
-              <a:t>10/19/2021</a:t>
+              <a:t>11/3/2021</a:t>
             </a:fld>
             <a:endParaRPr lang="en-US"/>
           </a:p>
@@ -721,7 +721,7 @@
           <a:p>
             <a:fld id="{CC4A6868-2568-4CC9-B302-F37117B01A6E}" type="datetime1">
               <a:rPr lang="en-US" smtClean="0"/>
-              <a:t>10/19/2021</a:t>
+              <a:t>11/3/2021</a:t>
             </a:fld>
             <a:endParaRPr lang="en-US"/>
           </a:p>
@@ -926,7 +926,7 @@
           <a:p>
             <a:fld id="{0055F08A-1E71-4B2B-BB49-E743F2903911}" type="datetime1">
               <a:rPr lang="en-US" smtClean="0"/>
-              <a:t>10/19/2021</a:t>
+              <a:t>11/3/2021</a:t>
             </a:fld>
             <a:endParaRPr lang="en-US" dirty="0"/>
           </a:p>
@@ -1200,7 +1200,7 @@
           <a:p>
             <a:fld id="{15417D9E-721A-44BB-8863-9873FE64DA75}" type="datetime1">
               <a:rPr lang="en-US" smtClean="0"/>
-              <a:t>10/19/2021</a:t>
+              <a:t>11/3/2021</a:t>
             </a:fld>
             <a:endParaRPr lang="en-US"/>
           </a:p>
@@ -1473,7 +1473,7 @@
           <a:p>
             <a:fld id="{5F31DA2F-80B8-49CF-99FB-5ABCA53A607A}" type="datetime1">
               <a:rPr lang="en-US" smtClean="0"/>
-              <a:t>10/19/2021</a:t>
+              <a:t>11/3/2021</a:t>
             </a:fld>
             <a:endParaRPr lang="en-US"/>
           </a:p>
@@ -1888,7 +1888,7 @@
           <a:p>
             <a:fld id="{28852172-E6C9-4B6C-929A-A9DE3837BBF1}" type="datetime1">
               <a:rPr lang="en-US" smtClean="0"/>
-              <a:t>10/19/2021</a:t>
+              <a:t>11/3/2021</a:t>
             </a:fld>
             <a:endParaRPr lang="en-US"/>
           </a:p>
@@ -2040,7 +2040,7 @@
           <a:p>
             <a:fld id="{3AB41CFF-90C9-47B3-9DA1-F2BF8D839F7E}" type="datetime1">
               <a:rPr lang="en-US" smtClean="0"/>
-              <a:t>10/19/2021</a:t>
+              <a:t>11/3/2021</a:t>
             </a:fld>
             <a:endParaRPr lang="en-US"/>
           </a:p>
@@ -2153,7 +2153,7 @@
           <a:p>
             <a:fld id="{F06048FA-06AB-4884-A69B-986B96E68A24}" type="datetime1">
               <a:rPr lang="en-US" smtClean="0"/>
-              <a:t>10/19/2021</a:t>
+              <a:t>11/3/2021</a:t>
             </a:fld>
             <a:endParaRPr lang="en-US"/>
           </a:p>
@@ -2464,7 +2464,7 @@
           <a:p>
             <a:fld id="{50DB7ABA-0172-4F9C-889D-567164F66BCD}" type="datetime1">
               <a:rPr lang="en-US" smtClean="0"/>
-              <a:t>10/19/2021</a:t>
+              <a:t>11/3/2021</a:t>
             </a:fld>
             <a:endParaRPr lang="en-US"/>
           </a:p>
@@ -2755,7 +2755,7 @@
           <a:p>
             <a:fld id="{78AC6A5B-8AE7-4A41-B5A7-9ADC6686DC18}" type="datetime1">
               <a:rPr lang="en-US" smtClean="0"/>
-              <a:t>10/19/2021</a:t>
+              <a:t>11/3/2021</a:t>
             </a:fld>
             <a:endParaRPr lang="en-US"/>
           </a:p>
@@ -3064,7 +3064,7 @@
             <a:fld id="{57E0CF6C-748E-4B7A-BC8B-3011EF78ED13}" type="datetime1">
               <a:rPr lang="en-US" smtClean="0"/>
               <a:pPr/>
-              <a:t>10/19/2021</a:t>
+              <a:t>11/3/2021</a:t>
             </a:fld>
             <a:endParaRPr lang="en-US" dirty="0"/>
           </a:p>
@@ -4630,10 +4630,10 @@
                 </a:effectLst>
                 <a:latin typeface="Exo 2 Extra Bold" panose="00000900000000000000" pitchFamily="50" charset="0"/>
               </a:rPr>
-              <a:t>Rodada #</a:t>
-            </a:r>
-            <a:r>
-              <a:rPr lang="pt-BR" sz="4800" dirty="0">
+              <a:t>Rodada </a:t>
+            </a:r>
+            <a:r>
+              <a:rPr lang="pt-BR" sz="4800" b="0" cap="none" spc="0">
                 <a:ln w="0">
                   <a:noFill/>
                 </a:ln>
@@ -4649,7 +4649,26 @@
                 </a:effectLst>
                 <a:latin typeface="Exo 2 Extra Bold" panose="00000900000000000000" pitchFamily="50" charset="0"/>
               </a:rPr>
-              <a:t>27</a:t>
+              <a:t>#</a:t>
+            </a:r>
+            <a:r>
+              <a:rPr lang="pt-BR" sz="4800">
+                <a:ln w="0">
+                  <a:noFill/>
+                </a:ln>
+                <a:solidFill>
+                  <a:schemeClr val="bg1"/>
+                </a:solidFill>
+                <a:effectLst>
+                  <a:outerShdw blurRad="38100" dist="19050" dir="2700000" algn="tl" rotWithShape="0">
+                    <a:schemeClr val="dk1">
+                      <a:alpha val="40000"/>
+                    </a:schemeClr>
+                  </a:outerShdw>
+                </a:effectLst>
+                <a:latin typeface="Exo 2 Extra Bold" panose="00000900000000000000" pitchFamily="50" charset="0"/>
+              </a:rPr>
+              <a:t>29</a:t>
             </a:r>
             <a:endParaRPr lang="pt-BR" sz="4800" b="0" cap="none" spc="0" dirty="0">
               <a:ln w="0">
